--- a/Faris/Laporan/Presentation1.pptx
+++ b/Faris/Laporan/Presentation1.pptx
@@ -304,7 +304,7 @@
           <a:p>
             <a:fld id="{48A87A34-81AB-432B-8DAE-1953F412C126}" type="datetimeFigureOut">
               <a:rPr lang="en-US" smtClean="0"/>
-              <a:t>8/28/2020</a:t>
+              <a:t>11/16/2020</a:t>
             </a:fld>
             <a:endParaRPr lang="en-US" dirty="0"/>
           </a:p>
@@ -580,7 +580,7 @@
             <a:fld id="{48A87A34-81AB-432B-8DAE-1953F412C126}" type="datetimeFigureOut">
               <a:rPr lang="en-US" smtClean="0"/>
               <a:pPr/>
-              <a:t>8/28/2020</a:t>
+              <a:t>11/16/2020</a:t>
             </a:fld>
             <a:endParaRPr lang="en-US" dirty="0"/>
           </a:p>
@@ -776,7 +776,7 @@
             <a:fld id="{48A87A34-81AB-432B-8DAE-1953F412C126}" type="datetimeFigureOut">
               <a:rPr lang="en-US" smtClean="0"/>
               <a:pPr/>
-              <a:t>8/28/2020</a:t>
+              <a:t>11/16/2020</a:t>
             </a:fld>
             <a:endParaRPr lang="en-US" dirty="0"/>
           </a:p>
@@ -1051,7 +1051,7 @@
             <a:fld id="{48A87A34-81AB-432B-8DAE-1953F412C126}" type="datetimeFigureOut">
               <a:rPr lang="en-US" smtClean="0"/>
               <a:pPr/>
-              <a:t>8/28/2020</a:t>
+              <a:t>11/16/2020</a:t>
             </a:fld>
             <a:endParaRPr lang="en-US" dirty="0"/>
           </a:p>
@@ -1394,7 +1394,7 @@
             <a:fld id="{48A87A34-81AB-432B-8DAE-1953F412C126}" type="datetimeFigureOut">
               <a:rPr lang="en-US" smtClean="0"/>
               <a:pPr/>
-              <a:t>8/28/2020</a:t>
+              <a:t>11/16/2020</a:t>
             </a:fld>
             <a:endParaRPr lang="en-US" dirty="0"/>
           </a:p>
@@ -2019,7 +2019,7 @@
             <a:fld id="{48A87A34-81AB-432B-8DAE-1953F412C126}" type="datetimeFigureOut">
               <a:rPr lang="en-US" smtClean="0"/>
               <a:pPr/>
-              <a:t>8/28/2020</a:t>
+              <a:t>11/16/2020</a:t>
             </a:fld>
             <a:endParaRPr lang="en-US" dirty="0"/>
           </a:p>
@@ -2881,7 +2881,7 @@
             <a:fld id="{48A87A34-81AB-432B-8DAE-1953F412C126}" type="datetimeFigureOut">
               <a:rPr lang="en-US" smtClean="0"/>
               <a:pPr/>
-              <a:t>8/28/2020</a:t>
+              <a:t>11/16/2020</a:t>
             </a:fld>
             <a:endParaRPr lang="en-US" dirty="0"/>
           </a:p>
@@ -3052,7 +3052,7 @@
           <a:p>
             <a:fld id="{48A87A34-81AB-432B-8DAE-1953F412C126}" type="datetimeFigureOut">
               <a:rPr lang="en-US" smtClean="0"/>
-              <a:t>8/28/2020</a:t>
+              <a:t>11/16/2020</a:t>
             </a:fld>
             <a:endParaRPr lang="en-US" dirty="0"/>
           </a:p>
@@ -3233,7 +3233,7 @@
             <a:fld id="{48A87A34-81AB-432B-8DAE-1953F412C126}" type="datetimeFigureOut">
               <a:rPr lang="en-US" smtClean="0"/>
               <a:pPr/>
-              <a:t>8/28/2020</a:t>
+              <a:t>11/16/2020</a:t>
             </a:fld>
             <a:endParaRPr lang="en-US" dirty="0"/>
           </a:p>
@@ -3403,7 +3403,7 @@
           <a:p>
             <a:fld id="{48A87A34-81AB-432B-8DAE-1953F412C126}" type="datetimeFigureOut">
               <a:rPr lang="en-US" smtClean="0"/>
-              <a:t>8/28/2020</a:t>
+              <a:t>11/16/2020</a:t>
             </a:fld>
             <a:endParaRPr lang="en-US" dirty="0"/>
           </a:p>
@@ -3651,7 +3651,7 @@
             <a:fld id="{48A87A34-81AB-432B-8DAE-1953F412C126}" type="datetimeFigureOut">
               <a:rPr lang="en-US" smtClean="0"/>
               <a:pPr/>
-              <a:t>8/28/2020</a:t>
+              <a:t>11/16/2020</a:t>
             </a:fld>
             <a:endParaRPr lang="en-US" dirty="0"/>
           </a:p>
@@ -3943,7 +3943,7 @@
           <a:p>
             <a:fld id="{48A87A34-81AB-432B-8DAE-1953F412C126}" type="datetimeFigureOut">
               <a:rPr lang="en-US" smtClean="0"/>
-              <a:t>8/28/2020</a:t>
+              <a:t>11/16/2020</a:t>
             </a:fld>
             <a:endParaRPr lang="en-US" dirty="0"/>
           </a:p>
@@ -4387,7 +4387,7 @@
           <a:p>
             <a:fld id="{48A87A34-81AB-432B-8DAE-1953F412C126}" type="datetimeFigureOut">
               <a:rPr lang="en-US" smtClean="0"/>
-              <a:t>8/28/2020</a:t>
+              <a:t>11/16/2020</a:t>
             </a:fld>
             <a:endParaRPr lang="en-US" dirty="0"/>
           </a:p>
@@ -4505,7 +4505,7 @@
           <a:p>
             <a:fld id="{48A87A34-81AB-432B-8DAE-1953F412C126}" type="datetimeFigureOut">
               <a:rPr lang="en-US" smtClean="0"/>
-              <a:t>8/28/2020</a:t>
+              <a:t>11/16/2020</a:t>
             </a:fld>
             <a:endParaRPr lang="en-US" dirty="0"/>
           </a:p>
@@ -4600,7 +4600,7 @@
           <a:p>
             <a:fld id="{48A87A34-81AB-432B-8DAE-1953F412C126}" type="datetimeFigureOut">
               <a:rPr lang="en-US" smtClean="0"/>
-              <a:t>8/28/2020</a:t>
+              <a:t>11/16/2020</a:t>
             </a:fld>
             <a:endParaRPr lang="en-US" dirty="0"/>
           </a:p>
@@ -4879,7 +4879,7 @@
           <a:p>
             <a:fld id="{48A87A34-81AB-432B-8DAE-1953F412C126}" type="datetimeFigureOut">
               <a:rPr lang="en-US" smtClean="0"/>
-              <a:t>8/28/2020</a:t>
+              <a:t>11/16/2020</a:t>
             </a:fld>
             <a:endParaRPr lang="en-US" dirty="0"/>
           </a:p>
@@ -5154,7 +5154,7 @@
           <a:p>
             <a:fld id="{48A87A34-81AB-432B-8DAE-1953F412C126}" type="datetimeFigureOut">
               <a:rPr lang="en-US" smtClean="0"/>
-              <a:t>8/28/2020</a:t>
+              <a:t>11/16/2020</a:t>
             </a:fld>
             <a:endParaRPr lang="en-US" dirty="0"/>
           </a:p>
@@ -5584,7 +5584,7 @@
             <a:fld id="{48A87A34-81AB-432B-8DAE-1953F412C126}" type="datetimeFigureOut">
               <a:rPr lang="en-US" smtClean="0"/>
               <a:pPr/>
-              <a:t>8/28/2020</a:t>
+              <a:t>11/16/2020</a:t>
             </a:fld>
             <a:endParaRPr lang="en-US" dirty="0"/>
           </a:p>
@@ -6181,7 +6181,7 @@
                 <a:latin typeface="Microsoft Tai Le" panose="020B0502040204020203" pitchFamily="34" charset="0"/>
                 <a:cs typeface="Microsoft Tai Le" panose="020B0502040204020203" pitchFamily="34" charset="0"/>
               </a:rPr>
-              <a:t>PROPOSAL PRESENTATION</a:t>
+              <a:t>VIVA PRESENTATION</a:t>
             </a:r>
           </a:p>
         </p:txBody>
@@ -6243,28 +6243,19 @@
           <a:p>
             <a:r>
               <a:rPr lang="en-US" dirty="0"/>
-              <a:t>ZIHNY FARHAN HAQEEM BIN ZAINI </a:t>
-            </a:r>
-            <a:r>
-              <a:rPr lang="en-MY" dirty="0"/>
-              <a:t>(18DDT18F1040)</a:t>
+              <a:t>MUHAMMAD FARIS BIN ADNAN (18DDT18F1109)</a:t>
             </a:r>
           </a:p>
           <a:p>
             <a:r>
               <a:rPr lang="en-US" dirty="0"/>
-              <a:t>MUHAMMAD FARIS BIN ADNAN </a:t>
-            </a:r>
-            <a:r>
-              <a:rPr lang="en-US"/>
-              <a:t>(18DDT18F1109)</a:t>
-            </a:r>
-            <a:endParaRPr lang="en-US" dirty="0"/>
+              <a:t>ZIHNY FARHAN HAQEEM BIN ZAINI (18DDT18F1040)</a:t>
+            </a:r>
           </a:p>
           <a:p>
             <a:r>
               <a:rPr lang="en-US" dirty="0"/>
-              <a:t>AHMAD ANNOOR BIN ABDUL NASIR (18DDT18F1165)</a:t>
+              <a:t>AHMAD AN NOOR BIN ABDUL NASIR (18DDT18F1165)</a:t>
             </a:r>
             <a:endParaRPr lang="en-MY" dirty="0"/>
           </a:p>
@@ -6737,23 +6728,7 @@
           <a:p>
             <a:r>
               <a:rPr lang="en-US" dirty="0"/>
-              <a:t>The major problem that faced by this School is they are still record student’s attendance by manually </a:t>
-            </a:r>
-            <a:r>
-              <a:rPr lang="en-US" dirty="0" err="1"/>
-              <a:t>system.The</a:t>
-            </a:r>
-            <a:r>
-              <a:rPr lang="en-US" dirty="0"/>
-              <a:t> existing system largely consists of physical register where the teacher have to manually inputs the attendance record of all students one by </a:t>
-            </a:r>
-            <a:r>
-              <a:rPr lang="en-US" dirty="0" err="1"/>
-              <a:t>one.Teacher</a:t>
-            </a:r>
-            <a:r>
-              <a:rPr lang="en-US" dirty="0"/>
-              <a:t> always have to call the name of every students one by one to verify their attendance to be tick it right on the attendance book </a:t>
+              <a:t>The major problem that faced by this School is they are (still record student’s attendance by manually system.)The existing system largely consists of physical register where the teacher have to manually inputs the attendance record of all students one by one).Teacher always have to call the name of every students one by one to verify their attendance to be tick it right on the attendance book </a:t>
             </a:r>
             <a:r>
               <a:rPr lang="en-US" dirty="0" err="1"/>
@@ -6761,7 +6736,7 @@
             </a:r>
             <a:r>
               <a:rPr lang="en-US" dirty="0"/>
-              <a:t> will take some time for the teacher to start teaching</a:t>
+              <a:t> will take some time for the teacher to start teaching)</a:t>
             </a:r>
             <a:endParaRPr lang="en-MY" dirty="0"/>
           </a:p>
@@ -6774,7 +6749,7 @@
           <a:p>
             <a:r>
               <a:rPr lang="en-US" dirty="0"/>
-              <a:t>The traditional way for taking attendance has drawback, which is the data of the attendance list cannot be reuse and tracking and tracing student's attendance is </a:t>
+              <a:t>(The traditional way for taking attendance has drawback, which is the data of the attendance list cannot be reuse and tracking and tracing student's attendance is </a:t>
             </a:r>
             <a:r>
               <a:rPr lang="en-US" dirty="0" err="1"/>
@@ -6782,15 +6757,7 @@
             </a:r>
             <a:r>
               <a:rPr lang="en-US" dirty="0"/>
-              <a:t>, the paper may be torn, misplaced or lost for recording in database system </a:t>
-            </a:r>
-            <a:r>
-              <a:rPr lang="en-US" dirty="0" err="1"/>
-              <a:t>manually.With</a:t>
-            </a:r>
-            <a:r>
-              <a:rPr lang="en-US" dirty="0"/>
-              <a:t> the RFID-based system, all data will be secured and stored in database safely. </a:t>
+              <a:t>, the paper may be torn, misplaced or lost for recording in database system manually).With the RFID-based system, all data will be secured and stored in database safely. </a:t>
             </a:r>
             <a:endParaRPr lang="en-MY" dirty="0"/>
           </a:p>
@@ -7141,15 +7108,7 @@
             <a:pPr lvl="1"/>
             <a:r>
               <a:rPr lang="en-US" dirty="0"/>
-              <a:t>Students need to touch their RFID card at the scanner that which has been prepared in front of the hall and view their name verify at the </a:t>
-            </a:r>
-            <a:r>
-              <a:rPr lang="en-US" dirty="0" err="1"/>
-              <a:t>lcd</a:t>
-            </a:r>
-            <a:r>
-              <a:rPr lang="en-US" dirty="0"/>
-              <a:t> screen.</a:t>
+              <a:t>Students need to touch their RFID card at the scanner that which has been prepared in front of the hall.</a:t>
             </a:r>
             <a:endParaRPr lang="en-MY" sz="1600" dirty="0"/>
           </a:p>
@@ -7284,7 +7243,7 @@
           <a:p>
             <a:r>
               <a:rPr lang="en-US" dirty="0"/>
-              <a:t>This system can record the attendance of students and record the arrival of each students with students need to scan the RFID card on the scanner only. The name of the students will be displayed on the screen and also included in the system.</a:t>
+              <a:t>This system can record the attendance of students and record the arrival of each students with students need to scan the RFID card on the scanner only. The name of the students will be included in the system.</a:t>
             </a:r>
             <a:endParaRPr lang="en-MY" sz="1600" dirty="0"/>
           </a:p>
@@ -7326,7 +7285,7 @@
           <a:p>
             <a:r>
               <a:rPr lang="en-US" dirty="0"/>
-              <a:t>Third is students, students need to scan RFID for record the attendance to the teachers.</a:t>
+              <a:t>Third is students, students need to scan RFID for record the attendance.</a:t>
             </a:r>
             <a:endParaRPr lang="en-MY" sz="1600" dirty="0"/>
           </a:p>
